--- a/rf1_etel_bemutato.pptx
+++ b/rf1_etel_bemutato.pptx
@@ -109,6 +109,11 @@
       </a:defRPr>
     </a:lvl9pPr>
   </p:defaultTextStyle>
+  <p:extLst>
+    <p:ext uri="{EFAFB233-063F-42B5-8137-9DF3F51BA10A}">
+      <p15:sldGuideLst xmlns:p15="http://schemas.microsoft.com/office/powerpoint/2012/main"/>
+    </p:ext>
+  </p:extLst>
 </p:presentation>
 </file>
 
@@ -308,7 +313,7 @@
           <a:p>
             <a:fld id="{ECD19FB2-3AAB-4D03-B13A-2960828C78E3}" type="datetimeFigureOut">
               <a:rPr lang="en-US" dirty="0"/>
-              <a:t>10/5/2021</a:t>
+              <a:t>10/6/2021</a:t>
             </a:fld>
             <a:endParaRPr lang="en-US" dirty="0"/>
           </a:p>
@@ -589,7 +594,7 @@
           <a:p>
             <a:fld id="{1B80C674-7DFC-42FE-B9CD-82963CDB1557}" type="datetimeFigureOut">
               <a:rPr lang="en-US" dirty="0"/>
-              <a:t>10/5/2021</a:t>
+              <a:t>10/6/2021</a:t>
             </a:fld>
             <a:endParaRPr lang="en-US" dirty="0"/>
           </a:p>
@@ -780,7 +785,7 @@
           <a:p>
             <a:fld id="{2076456F-F47D-4F25-8053-2A695DA0CA7D}" type="datetimeFigureOut">
               <a:rPr lang="en-US" dirty="0"/>
-              <a:t>10/5/2021</a:t>
+              <a:t>10/6/2021</a:t>
             </a:fld>
             <a:endParaRPr lang="en-US" dirty="0"/>
           </a:p>
@@ -1040,7 +1045,7 @@
           <a:p>
             <a:fld id="{5D6C7379-69CC-4837-9905-BEBA22830C8A}" type="datetimeFigureOut">
               <a:rPr lang="en-US" dirty="0"/>
-              <a:t>10/5/2021</a:t>
+              <a:t>10/6/2021</a:t>
             </a:fld>
             <a:endParaRPr lang="en-US" dirty="0"/>
           </a:p>
@@ -1465,7 +1470,7 @@
           <a:p>
             <a:fld id="{49EB8B7E-8AEE-4F10-BFEE-C999AD004D36}" type="datetimeFigureOut">
               <a:rPr lang="en-US" dirty="0"/>
-              <a:t>10/5/2021</a:t>
+              <a:t>10/6/2021</a:t>
             </a:fld>
             <a:endParaRPr lang="en-US" dirty="0"/>
           </a:p>
@@ -2010,7 +2015,7 @@
           <a:p>
             <a:fld id="{8668F3F9-58BC-440B-B37B-805B9055EF92}" type="datetimeFigureOut">
               <a:rPr lang="en-US" dirty="0"/>
-              <a:t>10/5/2021</a:t>
+              <a:t>10/6/2021</a:t>
             </a:fld>
             <a:endParaRPr lang="en-US" dirty="0"/>
           </a:p>
@@ -2840,7 +2845,7 @@
           <a:p>
             <a:fld id="{0D5A53AF-48EA-489D-8260-9DCAB666386A}" type="datetimeFigureOut">
               <a:rPr lang="en-US" dirty="0"/>
-              <a:t>10/5/2021</a:t>
+              <a:t>10/6/2021</a:t>
             </a:fld>
             <a:endParaRPr lang="en-US" dirty="0"/>
           </a:p>
@@ -3009,7 +3014,7 @@
           <a:p>
             <a:fld id="{0DED02AE-B9A4-47BD-AF8E-97E16144138B}" type="datetimeFigureOut">
               <a:rPr lang="en-US" dirty="0"/>
-              <a:t>10/5/2021</a:t>
+              <a:t>10/6/2021</a:t>
             </a:fld>
             <a:endParaRPr lang="en-US" dirty="0"/>
           </a:p>
@@ -3188,7 +3193,7 @@
           <a:p>
             <a:fld id="{CF0FD78B-DB02-4362-BCDC-98A55456977C}" type="datetimeFigureOut">
               <a:rPr lang="en-US" dirty="0"/>
-              <a:t>10/5/2021</a:t>
+              <a:t>10/6/2021</a:t>
             </a:fld>
             <a:endParaRPr lang="en-US" dirty="0"/>
           </a:p>
@@ -3357,7 +3362,7 @@
           <a:p>
             <a:fld id="{99916976-5D93-46E4-A98A-FAD63E4D0EA8}" type="datetimeFigureOut">
               <a:rPr lang="en-US" dirty="0"/>
-              <a:t>10/5/2021</a:t>
+              <a:t>10/6/2021</a:t>
             </a:fld>
             <a:endParaRPr lang="en-US" dirty="0"/>
           </a:p>
@@ -3613,7 +3618,7 @@
           <a:p>
             <a:fld id="{0F39F4F5-F4D2-4D2A-AB60-88D37ADCB869}" type="datetimeFigureOut">
               <a:rPr lang="en-US" dirty="0"/>
-              <a:t>10/5/2021</a:t>
+              <a:t>10/6/2021</a:t>
             </a:fld>
             <a:endParaRPr lang="en-US" dirty="0"/>
           </a:p>
@@ -3844,7 +3849,7 @@
           <a:p>
             <a:fld id="{D23BC6CE-6D1E-47E5-8859-F31AC5380EB2}" type="datetimeFigureOut">
               <a:rPr lang="en-US" dirty="0"/>
-              <a:t>10/5/2021</a:t>
+              <a:t>10/6/2021</a:t>
             </a:fld>
             <a:endParaRPr lang="en-US" dirty="0"/>
           </a:p>
@@ -4236,7 +4241,7 @@
           <a:p>
             <a:fld id="{B1B4E7C4-4DA4-404D-9965-B13F2DD7D8BF}" type="datetimeFigureOut">
               <a:rPr lang="en-US" dirty="0"/>
-              <a:t>10/5/2021</a:t>
+              <a:t>10/6/2021</a:t>
             </a:fld>
             <a:endParaRPr lang="en-US" dirty="0"/>
           </a:p>
@@ -4353,7 +4358,7 @@
           <a:p>
             <a:fld id="{476FB7AA-4A53-424F-AD41-70827B6504BA}" type="datetimeFigureOut">
               <a:rPr lang="en-US" dirty="0"/>
-              <a:t>10/5/2021</a:t>
+              <a:t>10/6/2021</a:t>
             </a:fld>
             <a:endParaRPr lang="en-US" dirty="0"/>
           </a:p>
@@ -4447,7 +4452,7 @@
           <a:p>
             <a:fld id="{E7884882-FB12-4BC8-9960-9AD8104D7FAE}" type="datetimeFigureOut">
               <a:rPr lang="en-US" dirty="0"/>
-              <a:t>10/5/2021</a:t>
+              <a:t>10/6/2021</a:t>
             </a:fld>
             <a:endParaRPr lang="en-US" dirty="0"/>
           </a:p>
@@ -4719,7 +4724,7 @@
           <a:p>
             <a:fld id="{F7D1BD23-6E54-4D9D-AD88-A2813C73CC25}" type="datetimeFigureOut">
               <a:rPr lang="en-US" dirty="0"/>
-              <a:t>10/5/2021</a:t>
+              <a:t>10/6/2021</a:t>
             </a:fld>
             <a:endParaRPr lang="en-US" dirty="0"/>
           </a:p>
@@ -4999,7 +5004,7 @@
           <a:p>
             <a:fld id="{1471A834-4F3C-4AF9-9C74-05EC35A0F292}" type="datetimeFigureOut">
               <a:rPr lang="en-US" dirty="0"/>
-              <a:t>10/5/2021</a:t>
+              <a:t>10/6/2021</a:t>
             </a:fld>
             <a:endParaRPr lang="en-US" dirty="0"/>
           </a:p>
@@ -5238,7 +5243,7 @@
           <a:p>
             <a:fld id="{51CF1133-3259-4C45-BABA-5B62D9C6F78D}" type="datetimeFigureOut">
               <a:rPr lang="en-US" dirty="0"/>
-              <a:t>10/5/2021</a:t>
+              <a:t>10/6/2021</a:t>
             </a:fld>
             <a:endParaRPr lang="en-US" dirty="0"/>
           </a:p>
@@ -6914,21 +6919,44 @@
           </a:p>
         </p:txBody>
       </p:sp>
+      <p:sp>
+        <p:nvSpPr>
+          <p:cNvPr id="3" name="Tartalom helye 2">
+            <a:extLst>
+              <a:ext uri="{FF2B5EF4-FFF2-40B4-BE49-F238E27FC236}">
+                <a16:creationId xmlns:a16="http://schemas.microsoft.com/office/drawing/2014/main" id="{F0D19A07-3272-4A6D-BD60-24E61767CC3C}"/>
+              </a:ext>
+            </a:extLst>
+          </p:cNvPr>
+          <p:cNvSpPr>
+            <a:spLocks noGrp="1"/>
+          </p:cNvSpPr>
+          <p:nvPr>
+            <p:ph idx="1"/>
+          </p:nvPr>
+        </p:nvSpPr>
+        <p:spPr/>
+        <p:txBody>
+          <a:bodyPr/>
+          <a:lstStyle/>
+          <a:p>
+            <a:endParaRPr lang="hu-HU"/>
+          </a:p>
+        </p:txBody>
+      </p:sp>
       <p:pic>
         <p:nvPicPr>
-          <p:cNvPr id="8" name="Tartalom helye 7">
+          <p:cNvPr id="7" name="Kép 6">
             <a:extLst>
               <a:ext uri="{FF2B5EF4-FFF2-40B4-BE49-F238E27FC236}">
-                <a16:creationId xmlns:a16="http://schemas.microsoft.com/office/drawing/2014/main" id="{62E0EF90-E05F-45E5-81C4-F3D92F693E89}"/>
+                <a16:creationId xmlns:a16="http://schemas.microsoft.com/office/drawing/2014/main" id="{3CEC49D7-0911-4BAA-9FE0-3346A8B953C9}"/>
               </a:ext>
             </a:extLst>
           </p:cNvPr>
           <p:cNvPicPr>
-            <a:picLocks noGrp="1" noChangeAspect="1"/>
+            <a:picLocks noChangeAspect="1"/>
           </p:cNvPicPr>
-          <p:nvPr>
-            <p:ph idx="1"/>
-          </p:nvPr>
+          <p:nvPr/>
         </p:nvPicPr>
         <p:blipFill>
           <a:blip r:embed="rId2"/>
@@ -6938,9 +6966,12 @@
         </p:blipFill>
         <p:spPr>
           <a:xfrm>
-            <a:off x="0" y="15402"/>
-            <a:ext cx="12192000" cy="6827196"/>
+            <a:off x="0" y="15240"/>
+            <a:ext cx="12192000" cy="6827520"/>
           </a:xfrm>
+          <a:prstGeom prst="rect">
+            <a:avLst/>
+          </a:prstGeom>
         </p:spPr>
       </p:pic>
     </p:spTree>
